--- a/Week 4 - Gestalt Principals/Week 4 Homework.pptx
+++ b/Week 4 - Gestalt Principals/Week 4 Homework.pptx
@@ -5,33 +5,34 @@
     <p:sldMasterId id="2147483976" r:id="rId1"/>
   </p:sldMasterIdLst>
   <p:notesMasterIdLst>
-    <p:notesMasterId r:id="rId6"/>
+    <p:notesMasterId r:id="rId7"/>
   </p:notesMasterIdLst>
   <p:handoutMasterIdLst>
-    <p:handoutMasterId r:id="rId7"/>
+    <p:handoutMasterId r:id="rId8"/>
   </p:handoutMasterIdLst>
   <p:sldIdLst>
     <p:sldId id="1596" r:id="rId2"/>
     <p:sldId id="1597" r:id="rId3"/>
     <p:sldId id="1595" r:id="rId4"/>
-    <p:sldId id="1604" r:id="rId5"/>
+    <p:sldId id="1605" r:id="rId5"/>
+    <p:sldId id="1604" r:id="rId6"/>
   </p:sldIdLst>
   <p:sldSz cx="12192000" cy="6858000"/>
   <p:notesSz cx="6858000" cy="9144000"/>
   <p:embeddedFontLst>
     <p:embeddedFont>
       <p:font typeface="Calibri" panose="020F0502020204030204" pitchFamily="34" charset="0"/>
-      <p:regular r:id="rId8"/>
-      <p:bold r:id="rId8"/>
-      <p:italic r:id="rId8"/>
-      <p:boldItalic r:id="rId8"/>
+      <p:regular r:id="rId9"/>
+      <p:bold r:id="rId9"/>
+      <p:italic r:id="rId9"/>
+      <p:boldItalic r:id="rId9"/>
     </p:embeddedFont>
     <p:embeddedFont>
       <p:font typeface="Cambria" panose="02040503050406030204" pitchFamily="18" charset="0"/>
-      <p:regular r:id="rId9"/>
-      <p:bold r:id="rId10"/>
-      <p:italic r:id="rId11"/>
-      <p:boldItalic r:id="rId12"/>
+      <p:regular r:id="rId10"/>
+      <p:bold r:id="rId11"/>
+      <p:italic r:id="rId12"/>
+      <p:boldItalic r:id="rId13"/>
     </p:embeddedFont>
   </p:embeddedFontLst>
   <p:defaultTextStyle>
@@ -5217,7 +5218,9 @@
         </p:nvSpPr>
         <p:spPr/>
         <p:txBody>
-          <a:bodyPr/>
+          <a:bodyPr>
+            <a:normAutofit fontScale="92500" lnSpcReduction="10000"/>
+          </a:bodyPr>
           <a:lstStyle/>
           <a:p>
             <a:pPr marL="285750" indent="-285750">
@@ -5277,6 +5280,48 @@
             <a:r>
               <a:rPr lang="en-US" dirty="0"/>
               <a:t>How satisfied are you with this installer? CSAT is 1 to 5 scale</a:t>
+            </a:r>
+          </a:p>
+          <a:p>
+            <a:pPr marL="285750" indent="-285750">
+              <a:buFont typeface="Arial" panose="020B0604020202020204" pitchFamily="34" charset="0"/>
+              <a:buChar char="•"/>
+            </a:pPr>
+            <a:r>
+              <a:rPr lang="en-US" dirty="0"/>
+              <a:t>Bonus is on a percentile basis for both metrics: 90</a:t>
+            </a:r>
+            <a:r>
+              <a:rPr lang="en-US" baseline="30000" dirty="0"/>
+              <a:t>th</a:t>
+            </a:r>
+            <a:r>
+              <a:rPr lang="en-US" dirty="0"/>
+              <a:t> percentile gets a 25% bonus, 75</a:t>
+            </a:r>
+            <a:r>
+              <a:rPr lang="en-US" baseline="30000" dirty="0"/>
+              <a:t>th</a:t>
+            </a:r>
+            <a:r>
+              <a:rPr lang="en-US" dirty="0"/>
+              <a:t> percentile gets a 15% bonus, 50</a:t>
+            </a:r>
+            <a:r>
+              <a:rPr lang="en-US" baseline="30000" dirty="0"/>
+              <a:t>th</a:t>
+            </a:r>
+            <a:r>
+              <a:rPr lang="en-US" dirty="0"/>
+              <a:t> percentile gets a 10% bonus, 25</a:t>
+            </a:r>
+            <a:r>
+              <a:rPr lang="en-US" baseline="30000" dirty="0"/>
+              <a:t>th</a:t>
+            </a:r>
+            <a:r>
+              <a:rPr lang="en-US" dirty="0"/>
+              <a:t> percentile gets a 5% bonus and anything below gets no bonus. You can see what the average base salary for an installation tech is on websites like Glass Door.</a:t>
             </a:r>
           </a:p>
           <a:p>
@@ -5365,6 +5410,589 @@
           <p:cNvPr id="2" name="Title 1">
             <a:extLst>
               <a:ext uri="{FF2B5EF4-FFF2-40B4-BE49-F238E27FC236}">
+                <a16:creationId xmlns:a16="http://schemas.microsoft.com/office/drawing/2014/main" id="{97774490-3AC1-EE42-AFB9-9104EA7E23F0}"/>
+              </a:ext>
+            </a:extLst>
+          </p:cNvPr>
+          <p:cNvSpPr>
+            <a:spLocks noGrp="1"/>
+          </p:cNvSpPr>
+          <p:nvPr>
+            <p:ph type="title"/>
+          </p:nvPr>
+        </p:nvSpPr>
+        <p:spPr/>
+        <p:txBody>
+          <a:bodyPr/>
+          <a:lstStyle/>
+          <a:p>
+            <a:endParaRPr lang="en-US"/>
+          </a:p>
+        </p:txBody>
+      </p:sp>
+      <p:graphicFrame>
+        <p:nvGraphicFramePr>
+          <p:cNvPr id="6" name="Table 6">
+            <a:extLst>
+              <a:ext uri="{FF2B5EF4-FFF2-40B4-BE49-F238E27FC236}">
+                <a16:creationId xmlns:a16="http://schemas.microsoft.com/office/drawing/2014/main" id="{B5842662-C5DC-9F41-8175-B3C4D1589D43}"/>
+              </a:ext>
+            </a:extLst>
+          </p:cNvPr>
+          <p:cNvGraphicFramePr>
+            <a:graphicFrameLocks noGrp="1"/>
+          </p:cNvGraphicFramePr>
+          <p:nvPr>
+            <p:ph idx="1"/>
+            <p:extLst>
+              <p:ext uri="{D42A27DB-BD31-4B8C-83A1-F6EECF244321}">
+                <p14:modId xmlns:p14="http://schemas.microsoft.com/office/powerpoint/2010/main" val="2937640624"/>
+              </p:ext>
+            </p:extLst>
+          </p:nvPr>
+        </p:nvGraphicFramePr>
+        <p:xfrm>
+          <a:off x="431800" y="1219200"/>
+          <a:ext cx="11328400" cy="3108960"/>
+        </p:xfrm>
+        <a:graphic>
+          <a:graphicData uri="http://schemas.openxmlformats.org/drawingml/2006/table">
+            <a:tbl>
+              <a:tblPr firstRow="1" bandRow="1">
+                <a:tableStyleId>{5C22544A-7EE6-4342-B048-85BDC9FD1C3A}</a:tableStyleId>
+              </a:tblPr>
+              <a:tblGrid>
+                <a:gridCol w="2265680">
+                  <a:extLst>
+                    <a:ext uri="{9D8B030D-6E8A-4147-A177-3AD203B41FA5}">
+                      <a16:colId xmlns:a16="http://schemas.microsoft.com/office/drawing/2014/main" val="4180805726"/>
+                    </a:ext>
+                  </a:extLst>
+                </a:gridCol>
+                <a:gridCol w="2265680">
+                  <a:extLst>
+                    <a:ext uri="{9D8B030D-6E8A-4147-A177-3AD203B41FA5}">
+                      <a16:colId xmlns:a16="http://schemas.microsoft.com/office/drawing/2014/main" val="450941614"/>
+                    </a:ext>
+                  </a:extLst>
+                </a:gridCol>
+                <a:gridCol w="2265680">
+                  <a:extLst>
+                    <a:ext uri="{9D8B030D-6E8A-4147-A177-3AD203B41FA5}">
+                      <a16:colId xmlns:a16="http://schemas.microsoft.com/office/drawing/2014/main" val="2904581472"/>
+                    </a:ext>
+                  </a:extLst>
+                </a:gridCol>
+                <a:gridCol w="2265680">
+                  <a:extLst>
+                    <a:ext uri="{9D8B030D-6E8A-4147-A177-3AD203B41FA5}">
+                      <a16:colId xmlns:a16="http://schemas.microsoft.com/office/drawing/2014/main" val="2564215144"/>
+                    </a:ext>
+                  </a:extLst>
+                </a:gridCol>
+                <a:gridCol w="2265680">
+                  <a:extLst>
+                    <a:ext uri="{9D8B030D-6E8A-4147-A177-3AD203B41FA5}">
+                      <a16:colId xmlns:a16="http://schemas.microsoft.com/office/drawing/2014/main" val="2527496373"/>
+                    </a:ext>
+                  </a:extLst>
+                </a:gridCol>
+              </a:tblGrid>
+              <a:tr h="370840">
+                <a:tc>
+                  <a:txBody>
+                    <a:bodyPr/>
+                    <a:lstStyle/>
+                    <a:p>
+                      <a:r>
+                        <a:rPr lang="en-US" dirty="0"/>
+                        <a:t>Minimum Percentile</a:t>
+                      </a:r>
+                    </a:p>
+                  </a:txBody>
+                  <a:tcPr/>
+                </a:tc>
+                <a:tc>
+                  <a:txBody>
+                    <a:bodyPr/>
+                    <a:lstStyle/>
+                    <a:p>
+                      <a:r>
+                        <a:rPr lang="en-US" dirty="0"/>
+                        <a:t>NPS</a:t>
+                      </a:r>
+                    </a:p>
+                  </a:txBody>
+                  <a:tcPr/>
+                </a:tc>
+                <a:tc>
+                  <a:txBody>
+                    <a:bodyPr/>
+                    <a:lstStyle/>
+                    <a:p>
+                      <a:r>
+                        <a:rPr lang="en-US" dirty="0"/>
+                        <a:t>CSAT</a:t>
+                      </a:r>
+                    </a:p>
+                  </a:txBody>
+                  <a:tcPr/>
+                </a:tc>
+                <a:tc>
+                  <a:txBody>
+                    <a:bodyPr/>
+                    <a:lstStyle/>
+                    <a:p>
+                      <a:r>
+                        <a:rPr lang="en-US" dirty="0"/>
+                        <a:t>Bonus</a:t>
+                      </a:r>
+                    </a:p>
+                  </a:txBody>
+                  <a:tcPr/>
+                </a:tc>
+                <a:tc>
+                  <a:txBody>
+                    <a:bodyPr/>
+                    <a:lstStyle/>
+                    <a:p>
+                      <a:endParaRPr lang="en-US" dirty="0"/>
+                    </a:p>
+                  </a:txBody>
+                  <a:tcPr/>
+                </a:tc>
+                <a:extLst>
+                  <a:ext uri="{0D108BD9-81ED-4DB2-BD59-A6C34878D82A}">
+                    <a16:rowId xmlns:a16="http://schemas.microsoft.com/office/drawing/2014/main" val="1282339555"/>
+                  </a:ext>
+                </a:extLst>
+              </a:tr>
+              <a:tr h="370840">
+                <a:tc>
+                  <a:txBody>
+                    <a:bodyPr/>
+                    <a:lstStyle/>
+                    <a:p>
+                      <a:r>
+                        <a:rPr lang="en-US" dirty="0"/>
+                        <a:t>90</a:t>
+                      </a:r>
+                      <a:r>
+                        <a:rPr lang="en-US" baseline="30000" dirty="0"/>
+                        <a:t>th</a:t>
+                      </a:r>
+                      <a:r>
+                        <a:rPr lang="en-US" dirty="0"/>
+                        <a:t> percentile</a:t>
+                      </a:r>
+                    </a:p>
+                  </a:txBody>
+                  <a:tcPr/>
+                </a:tc>
+                <a:tc>
+                  <a:txBody>
+                    <a:bodyPr/>
+                    <a:lstStyle/>
+                    <a:p>
+                      <a:endParaRPr lang="en-US" dirty="0"/>
+                    </a:p>
+                  </a:txBody>
+                  <a:tcPr/>
+                </a:tc>
+                <a:tc>
+                  <a:txBody>
+                    <a:bodyPr/>
+                    <a:lstStyle/>
+                    <a:p>
+                      <a:endParaRPr lang="en-US"/>
+                    </a:p>
+                  </a:txBody>
+                  <a:tcPr/>
+                </a:tc>
+                <a:tc>
+                  <a:txBody>
+                    <a:bodyPr/>
+                    <a:lstStyle/>
+                    <a:p>
+                      <a:endParaRPr lang="en-US" dirty="0"/>
+                    </a:p>
+                  </a:txBody>
+                  <a:tcPr/>
+                </a:tc>
+                <a:tc>
+                  <a:txBody>
+                    <a:bodyPr/>
+                    <a:lstStyle/>
+                    <a:p>
+                      <a:endParaRPr lang="en-US"/>
+                    </a:p>
+                  </a:txBody>
+                  <a:tcPr/>
+                </a:tc>
+                <a:extLst>
+                  <a:ext uri="{0D108BD9-81ED-4DB2-BD59-A6C34878D82A}">
+                    <a16:rowId xmlns:a16="http://schemas.microsoft.com/office/drawing/2014/main" val="1635264144"/>
+                  </a:ext>
+                </a:extLst>
+              </a:tr>
+              <a:tr h="370840">
+                <a:tc>
+                  <a:txBody>
+                    <a:bodyPr/>
+                    <a:lstStyle/>
+                    <a:p>
+                      <a:r>
+                        <a:rPr lang="en-US" dirty="0"/>
+                        <a:t>75</a:t>
+                      </a:r>
+                      <a:r>
+                        <a:rPr lang="en-US" baseline="30000" dirty="0"/>
+                        <a:t>th</a:t>
+                      </a:r>
+                      <a:r>
+                        <a:rPr lang="en-US" dirty="0"/>
+                        <a:t> percentile</a:t>
+                      </a:r>
+                    </a:p>
+                  </a:txBody>
+                  <a:tcPr/>
+                </a:tc>
+                <a:tc>
+                  <a:txBody>
+                    <a:bodyPr/>
+                    <a:lstStyle/>
+                    <a:p>
+                      <a:endParaRPr lang="en-US"/>
+                    </a:p>
+                  </a:txBody>
+                  <a:tcPr/>
+                </a:tc>
+                <a:tc>
+                  <a:txBody>
+                    <a:bodyPr/>
+                    <a:lstStyle/>
+                    <a:p>
+                      <a:endParaRPr lang="en-US"/>
+                    </a:p>
+                  </a:txBody>
+                  <a:tcPr/>
+                </a:tc>
+                <a:tc>
+                  <a:txBody>
+                    <a:bodyPr/>
+                    <a:lstStyle/>
+                    <a:p>
+                      <a:endParaRPr lang="en-US"/>
+                    </a:p>
+                  </a:txBody>
+                  <a:tcPr/>
+                </a:tc>
+                <a:tc>
+                  <a:txBody>
+                    <a:bodyPr/>
+                    <a:lstStyle/>
+                    <a:p>
+                      <a:endParaRPr lang="en-US"/>
+                    </a:p>
+                  </a:txBody>
+                  <a:tcPr/>
+                </a:tc>
+                <a:extLst>
+                  <a:ext uri="{0D108BD9-81ED-4DB2-BD59-A6C34878D82A}">
+                    <a16:rowId xmlns:a16="http://schemas.microsoft.com/office/drawing/2014/main" val="3497694425"/>
+                  </a:ext>
+                </a:extLst>
+              </a:tr>
+              <a:tr h="370840">
+                <a:tc>
+                  <a:txBody>
+                    <a:bodyPr/>
+                    <a:lstStyle/>
+                    <a:p>
+                      <a:r>
+                        <a:rPr lang="en-US" dirty="0"/>
+                        <a:t>50</a:t>
+                      </a:r>
+                      <a:r>
+                        <a:rPr lang="en-US" baseline="30000" dirty="0"/>
+                        <a:t>th</a:t>
+                      </a:r>
+                      <a:r>
+                        <a:rPr lang="en-US" dirty="0"/>
+                        <a:t> percentile</a:t>
+                      </a:r>
+                    </a:p>
+                  </a:txBody>
+                  <a:tcPr/>
+                </a:tc>
+                <a:tc>
+                  <a:txBody>
+                    <a:bodyPr/>
+                    <a:lstStyle/>
+                    <a:p>
+                      <a:endParaRPr lang="en-US"/>
+                    </a:p>
+                  </a:txBody>
+                  <a:tcPr/>
+                </a:tc>
+                <a:tc>
+                  <a:txBody>
+                    <a:bodyPr/>
+                    <a:lstStyle/>
+                    <a:p>
+                      <a:endParaRPr lang="en-US"/>
+                    </a:p>
+                  </a:txBody>
+                  <a:tcPr/>
+                </a:tc>
+                <a:tc>
+                  <a:txBody>
+                    <a:bodyPr/>
+                    <a:lstStyle/>
+                    <a:p>
+                      <a:endParaRPr lang="en-US"/>
+                    </a:p>
+                  </a:txBody>
+                  <a:tcPr/>
+                </a:tc>
+                <a:tc>
+                  <a:txBody>
+                    <a:bodyPr/>
+                    <a:lstStyle/>
+                    <a:p>
+                      <a:endParaRPr lang="en-US"/>
+                    </a:p>
+                  </a:txBody>
+                  <a:tcPr/>
+                </a:tc>
+                <a:extLst>
+                  <a:ext uri="{0D108BD9-81ED-4DB2-BD59-A6C34878D82A}">
+                    <a16:rowId xmlns:a16="http://schemas.microsoft.com/office/drawing/2014/main" val="1803040179"/>
+                  </a:ext>
+                </a:extLst>
+              </a:tr>
+              <a:tr h="370840">
+                <a:tc>
+                  <a:txBody>
+                    <a:bodyPr/>
+                    <a:lstStyle/>
+                    <a:p>
+                      <a:r>
+                        <a:rPr lang="en-US" dirty="0"/>
+                        <a:t>25</a:t>
+                      </a:r>
+                      <a:r>
+                        <a:rPr lang="en-US" baseline="30000" dirty="0"/>
+                        <a:t>th</a:t>
+                      </a:r>
+                      <a:r>
+                        <a:rPr lang="en-US" dirty="0"/>
+                        <a:t> percentile</a:t>
+                      </a:r>
+                    </a:p>
+                  </a:txBody>
+                  <a:tcPr/>
+                </a:tc>
+                <a:tc>
+                  <a:txBody>
+                    <a:bodyPr/>
+                    <a:lstStyle/>
+                    <a:p>
+                      <a:endParaRPr lang="en-US"/>
+                    </a:p>
+                  </a:txBody>
+                  <a:tcPr/>
+                </a:tc>
+                <a:tc>
+                  <a:txBody>
+                    <a:bodyPr/>
+                    <a:lstStyle/>
+                    <a:p>
+                      <a:endParaRPr lang="en-US"/>
+                    </a:p>
+                  </a:txBody>
+                  <a:tcPr/>
+                </a:tc>
+                <a:tc>
+                  <a:txBody>
+                    <a:bodyPr/>
+                    <a:lstStyle/>
+                    <a:p>
+                      <a:endParaRPr lang="en-US"/>
+                    </a:p>
+                  </a:txBody>
+                  <a:tcPr/>
+                </a:tc>
+                <a:tc>
+                  <a:txBody>
+                    <a:bodyPr/>
+                    <a:lstStyle/>
+                    <a:p>
+                      <a:endParaRPr lang="en-US"/>
+                    </a:p>
+                  </a:txBody>
+                  <a:tcPr/>
+                </a:tc>
+                <a:extLst>
+                  <a:ext uri="{0D108BD9-81ED-4DB2-BD59-A6C34878D82A}">
+                    <a16:rowId xmlns:a16="http://schemas.microsoft.com/office/drawing/2014/main" val="3970904360"/>
+                  </a:ext>
+                </a:extLst>
+              </a:tr>
+              <a:tr h="370840">
+                <a:tc>
+                  <a:txBody>
+                    <a:bodyPr/>
+                    <a:lstStyle/>
+                    <a:p>
+                      <a:endParaRPr lang="en-US"/>
+                    </a:p>
+                  </a:txBody>
+                  <a:tcPr/>
+                </a:tc>
+                <a:tc>
+                  <a:txBody>
+                    <a:bodyPr/>
+                    <a:lstStyle/>
+                    <a:p>
+                      <a:endParaRPr lang="en-US"/>
+                    </a:p>
+                  </a:txBody>
+                  <a:tcPr/>
+                </a:tc>
+                <a:tc>
+                  <a:txBody>
+                    <a:bodyPr/>
+                    <a:lstStyle/>
+                    <a:p>
+                      <a:endParaRPr lang="en-US"/>
+                    </a:p>
+                  </a:txBody>
+                  <a:tcPr/>
+                </a:tc>
+                <a:tc>
+                  <a:txBody>
+                    <a:bodyPr/>
+                    <a:lstStyle/>
+                    <a:p>
+                      <a:endParaRPr lang="en-US"/>
+                    </a:p>
+                  </a:txBody>
+                  <a:tcPr/>
+                </a:tc>
+                <a:tc>
+                  <a:txBody>
+                    <a:bodyPr/>
+                    <a:lstStyle/>
+                    <a:p>
+                      <a:endParaRPr lang="en-US" dirty="0"/>
+                    </a:p>
+                  </a:txBody>
+                  <a:tcPr/>
+                </a:tc>
+                <a:extLst>
+                  <a:ext uri="{0D108BD9-81ED-4DB2-BD59-A6C34878D82A}">
+                    <a16:rowId xmlns:a16="http://schemas.microsoft.com/office/drawing/2014/main" val="766662029"/>
+                  </a:ext>
+                </a:extLst>
+              </a:tr>
+            </a:tbl>
+          </a:graphicData>
+        </a:graphic>
+      </p:graphicFrame>
+      <p:sp>
+        <p:nvSpPr>
+          <p:cNvPr id="4" name="Slide Number Placeholder 3">
+            <a:extLst>
+              <a:ext uri="{FF2B5EF4-FFF2-40B4-BE49-F238E27FC236}">
+                <a16:creationId xmlns:a16="http://schemas.microsoft.com/office/drawing/2014/main" id="{76F8DDFF-4331-8147-8E15-9FFA6715B139}"/>
+              </a:ext>
+            </a:extLst>
+          </p:cNvPr>
+          <p:cNvSpPr>
+            <a:spLocks noGrp="1"/>
+          </p:cNvSpPr>
+          <p:nvPr>
+            <p:ph type="sldNum" sz="quarter" idx="10"/>
+          </p:nvPr>
+        </p:nvSpPr>
+        <p:spPr/>
+        <p:txBody>
+          <a:bodyPr/>
+          <a:lstStyle/>
+          <a:p>
+            <a:fld id="{C0D6EFB9-9230-4B7B-84CF-BF17657CE3F9}" type="slidenum">
+              <a:rPr lang="en-US" smtClean="0"/>
+              <a:t>4</a:t>
+            </a:fld>
+            <a:endParaRPr lang="en-US"/>
+          </a:p>
+        </p:txBody>
+      </p:sp>
+      <p:sp>
+        <p:nvSpPr>
+          <p:cNvPr id="5" name="Footer Placeholder 4">
+            <a:extLst>
+              <a:ext uri="{FF2B5EF4-FFF2-40B4-BE49-F238E27FC236}">
+                <a16:creationId xmlns:a16="http://schemas.microsoft.com/office/drawing/2014/main" id="{E3CBDF9D-7227-6C4C-91B1-CE1B7DD8004A}"/>
+              </a:ext>
+            </a:extLst>
+          </p:cNvPr>
+          <p:cNvSpPr>
+            <a:spLocks noGrp="1"/>
+          </p:cNvSpPr>
+          <p:nvPr>
+            <p:ph type="ftr" sz="quarter" idx="3"/>
+          </p:nvPr>
+        </p:nvSpPr>
+        <p:spPr/>
+        <p:txBody>
+          <a:bodyPr/>
+          <a:lstStyle/>
+          <a:p>
+            <a:r>
+              <a:rPr lang="en-US"/>
+              <a:t>SOURCE:</a:t>
+            </a:r>
+            <a:endParaRPr lang="en-US" dirty="0"/>
+          </a:p>
+        </p:txBody>
+      </p:sp>
+    </p:spTree>
+    <p:extLst>
+      <p:ext uri="{BB962C8B-B14F-4D97-AF65-F5344CB8AC3E}">
+        <p14:creationId xmlns:p14="http://schemas.microsoft.com/office/powerpoint/2010/main" val="3957021749"/>
+      </p:ext>
+    </p:extLst>
+  </p:cSld>
+  <p:clrMapOvr>
+    <a:masterClrMapping/>
+  </p:clrMapOvr>
+</p:sld>
+</file>
+
+<file path=ppt/slides/slide5.xml><?xml version="1.0" encoding="utf-8"?>
+<p:sld xmlns:a="http://schemas.openxmlformats.org/drawingml/2006/main" xmlns:r="http://schemas.openxmlformats.org/officeDocument/2006/relationships" xmlns:p="http://schemas.openxmlformats.org/presentationml/2006/main">
+  <p:cSld>
+    <p:spTree>
+      <p:nvGrpSpPr>
+        <p:cNvPr id="1" name=""/>
+        <p:cNvGrpSpPr/>
+        <p:nvPr/>
+      </p:nvGrpSpPr>
+      <p:grpSpPr>
+        <a:xfrm>
+          <a:off x="0" y="0"/>
+          <a:ext cx="0" cy="0"/>
+          <a:chOff x="0" y="0"/>
+          <a:chExt cx="0" cy="0"/>
+        </a:xfrm>
+      </p:grpSpPr>
+      <p:sp>
+        <p:nvSpPr>
+          <p:cNvPr id="2" name="Title 1">
+            <a:extLst>
+              <a:ext uri="{FF2B5EF4-FFF2-40B4-BE49-F238E27FC236}">
                 <a16:creationId xmlns:a16="http://schemas.microsoft.com/office/drawing/2014/main" id="{5603CFB1-628D-C146-AA98-F62AF5445BE4}"/>
               </a:ext>
             </a:extLst>
@@ -5489,7 +6117,7 @@
           <a:p>
             <a:fld id="{C0D6EFB9-9230-4B7B-84CF-BF17657CE3F9}" type="slidenum">
               <a:rPr lang="en-US" smtClean="0"/>
-              <a:t>4</a:t>
+              <a:t>5</a:t>
             </a:fld>
             <a:endParaRPr lang="en-US"/>
           </a:p>
